--- a/Курсовая работа/БАК/Яскевич_презентация.pptx
+++ b/Курсовая работа/БАК/Яскевич_презентация.pptx
@@ -215,7 +215,7 @@
           <a:p>
             <a:fld id="{1A43C107-8685-436D-BC8C-6912EA8C90FB}" type="datetimeFigureOut">
               <a:rPr lang="ru-RU" smtClean="0"/>
-              <a:t>08.12.2024</a:t>
+              <a:t>09.12.2024</a:t>
             </a:fld>
             <a:endParaRPr lang="ru-RU"/>
           </a:p>
@@ -629,7 +629,7 @@
           <a:p>
             <a:fld id="{B6ACE91A-B65F-4658-86EB-25731B7866B9}" type="datetime1">
               <a:rPr lang="ru-RU" smtClean="0"/>
-              <a:t>08.12.2024</a:t>
+              <a:t>09.12.2024</a:t>
             </a:fld>
             <a:endParaRPr lang="ru-RU"/>
           </a:p>
@@ -827,7 +827,7 @@
           <a:p>
             <a:fld id="{F99AD113-6F69-4D14-AB38-A46D327F008C}" type="datetime1">
               <a:rPr lang="ru-RU" smtClean="0"/>
-              <a:t>08.12.2024</a:t>
+              <a:t>09.12.2024</a:t>
             </a:fld>
             <a:endParaRPr lang="ru-RU"/>
           </a:p>
@@ -1035,7 +1035,7 @@
           <a:p>
             <a:fld id="{97E556EE-2A57-4412-81D7-1C74B3A08179}" type="datetime1">
               <a:rPr lang="ru-RU" smtClean="0"/>
-              <a:t>08.12.2024</a:t>
+              <a:t>09.12.2024</a:t>
             </a:fld>
             <a:endParaRPr lang="ru-RU"/>
           </a:p>
@@ -1233,7 +1233,7 @@
           <a:p>
             <a:fld id="{B4BD5679-FE8A-4606-A4D1-8054FDEC5721}" type="datetime1">
               <a:rPr lang="ru-RU" smtClean="0"/>
-              <a:t>08.12.2024</a:t>
+              <a:t>09.12.2024</a:t>
             </a:fld>
             <a:endParaRPr lang="ru-RU"/>
           </a:p>
@@ -1508,7 +1508,7 @@
           <a:p>
             <a:fld id="{845E5C1E-6C26-4020-B965-6CA23A10A126}" type="datetime1">
               <a:rPr lang="ru-RU" smtClean="0"/>
-              <a:t>08.12.2024</a:t>
+              <a:t>09.12.2024</a:t>
             </a:fld>
             <a:endParaRPr lang="ru-RU"/>
           </a:p>
@@ -1773,7 +1773,7 @@
           <a:p>
             <a:fld id="{12C599C9-F7E5-4809-A5B4-678FC2685818}" type="datetime1">
               <a:rPr lang="ru-RU" smtClean="0"/>
-              <a:t>08.12.2024</a:t>
+              <a:t>09.12.2024</a:t>
             </a:fld>
             <a:endParaRPr lang="ru-RU"/>
           </a:p>
@@ -2185,7 +2185,7 @@
           <a:p>
             <a:fld id="{1AB9CA44-0D52-43A2-8A68-41E394FD5883}" type="datetime1">
               <a:rPr lang="ru-RU" smtClean="0"/>
-              <a:t>08.12.2024</a:t>
+              <a:t>09.12.2024</a:t>
             </a:fld>
             <a:endParaRPr lang="ru-RU"/>
           </a:p>
@@ -2326,7 +2326,7 @@
           <a:p>
             <a:fld id="{B6CFC4BE-359D-4C64-99B5-72940288F1ED}" type="datetime1">
               <a:rPr lang="ru-RU" smtClean="0"/>
-              <a:t>08.12.2024</a:t>
+              <a:t>09.12.2024</a:t>
             </a:fld>
             <a:endParaRPr lang="ru-RU"/>
           </a:p>
@@ -2439,7 +2439,7 @@
           <a:p>
             <a:fld id="{AF778C73-E441-467B-814E-85D045627557}" type="datetime1">
               <a:rPr lang="ru-RU" smtClean="0"/>
-              <a:t>08.12.2024</a:t>
+              <a:t>09.12.2024</a:t>
             </a:fld>
             <a:endParaRPr lang="ru-RU"/>
           </a:p>
@@ -2750,7 +2750,7 @@
           <a:p>
             <a:fld id="{5E16939E-8924-468C-B445-FF98E3B98B38}" type="datetime1">
               <a:rPr lang="ru-RU" smtClean="0"/>
-              <a:t>08.12.2024</a:t>
+              <a:t>09.12.2024</a:t>
             </a:fld>
             <a:endParaRPr lang="ru-RU"/>
           </a:p>
@@ -3038,7 +3038,7 @@
           <a:p>
             <a:fld id="{1EDB061B-2C75-49FD-B8FB-B2D2AAC7DF3D}" type="datetime1">
               <a:rPr lang="ru-RU" smtClean="0"/>
-              <a:t>08.12.2024</a:t>
+              <a:t>09.12.2024</a:t>
             </a:fld>
             <a:endParaRPr lang="ru-RU"/>
           </a:p>
@@ -3279,7 +3279,7 @@
           <a:p>
             <a:fld id="{94C161AF-803E-4C3B-893E-8C70DD110C0F}" type="datetime1">
               <a:rPr lang="ru-RU" smtClean="0"/>
-              <a:t>08.12.2024</a:t>
+              <a:t>09.12.2024</a:t>
             </a:fld>
             <a:endParaRPr lang="ru-RU"/>
           </a:p>
@@ -4221,7 +4221,7 @@
         <p:spPr>
           <a:xfrm>
             <a:off x="513352" y="2186840"/>
-            <a:ext cx="11165296" cy="2951064"/>
+            <a:ext cx="11165296" cy="1709892"/>
           </a:xfrm>
           <a:prstGeom prst="rect">
             <a:avLst/>
@@ -4234,100 +4234,103 @@
           </a:bodyPr>
           <a:lstStyle/>
           <a:p>
-            <a:pPr marL="342900" indent="-342900" algn="just">
+            <a:pPr marL="342900" lvl="0" indent="-342900" algn="just">
               <a:lnSpc>
                 <a:spcPct val="150000"/>
               </a:lnSpc>
-              <a:buFont typeface="+mj-lt"/>
-              <a:buAutoNum type="arabicPeriod"/>
+              <a:buFont typeface="Courier New" panose="02070309020205020404" pitchFamily="49" charset="0"/>
+              <a:buChar char="-"/>
             </a:pPr>
             <a:r>
-              <a:rPr lang="ru-RU" dirty="0">
+              <a:rPr lang="ru-RU" sz="1800" kern="100" dirty="0">
+                <a:effectLst/>
                 <a:latin typeface="Times New Roman" panose="02020603050405020304" pitchFamily="18" charset="0"/>
+                <a:ea typeface="Calibri" panose="020F0502020204030204" pitchFamily="34" charset="0"/>
                 <a:cs typeface="Times New Roman" panose="02020603050405020304" pitchFamily="18" charset="0"/>
               </a:rPr>
-              <a:t>Провести анализ предметной области разрабатываемого интернет-ресурса</a:t>
-            </a:r>
-          </a:p>
-          <a:p>
-            <a:pPr marL="342900" indent="-342900" algn="just">
+              <a:t>Анализ требований и предметной области</a:t>
+            </a:r>
+            <a:endParaRPr lang="ru-RU" sz="1800" kern="100" dirty="0">
+              <a:effectLst/>
+              <a:latin typeface="Calibri" panose="020F0502020204030204" pitchFamily="34" charset="0"/>
+              <a:ea typeface="Calibri" panose="020F0502020204030204" pitchFamily="34" charset="0"/>
+              <a:cs typeface="Times New Roman" panose="02020603050405020304" pitchFamily="18" charset="0"/>
+            </a:endParaRPr>
+          </a:p>
+          <a:p>
+            <a:pPr marL="342900" lvl="0" indent="-342900" algn="just">
               <a:lnSpc>
                 <a:spcPct val="150000"/>
               </a:lnSpc>
-              <a:buFont typeface="+mj-lt"/>
-              <a:buAutoNum type="arabicPeriod"/>
+              <a:buFont typeface="Courier New" panose="02070309020205020404" pitchFamily="49" charset="0"/>
+              <a:buChar char="-"/>
             </a:pPr>
             <a:r>
-              <a:rPr lang="ru-RU" dirty="0">
+              <a:rPr lang="ru-RU" sz="1800" kern="100" dirty="0">
+                <a:effectLst/>
                 <a:latin typeface="Times New Roman" panose="02020603050405020304" pitchFamily="18" charset="0"/>
+                <a:ea typeface="Calibri" panose="020F0502020204030204" pitchFamily="34" charset="0"/>
                 <a:cs typeface="Times New Roman" panose="02020603050405020304" pitchFamily="18" charset="0"/>
               </a:rPr>
-              <a:t>Обосновать выбор технологий разработки интернет-ресурса</a:t>
-            </a:r>
-          </a:p>
-          <a:p>
-            <a:pPr marL="342900" indent="-342900" algn="just">
+              <a:t>Изучение технологий для разработки клиентской части веб-приложений</a:t>
+            </a:r>
+            <a:endParaRPr lang="ru-RU" sz="1800" kern="100" dirty="0">
+              <a:effectLst/>
+              <a:latin typeface="Calibri" panose="020F0502020204030204" pitchFamily="34" charset="0"/>
+              <a:ea typeface="Calibri" panose="020F0502020204030204" pitchFamily="34" charset="0"/>
+              <a:cs typeface="Times New Roman" panose="02020603050405020304" pitchFamily="18" charset="0"/>
+            </a:endParaRPr>
+          </a:p>
+          <a:p>
+            <a:pPr marL="342900" lvl="0" indent="-342900" algn="just">
               <a:lnSpc>
                 <a:spcPct val="150000"/>
               </a:lnSpc>
-              <a:buFont typeface="+mj-lt"/>
-              <a:buAutoNum type="arabicPeriod"/>
+              <a:buFont typeface="Courier New" panose="02070309020205020404" pitchFamily="49" charset="0"/>
+              <a:buChar char="-"/>
             </a:pPr>
             <a:r>
-              <a:rPr lang="ru-RU" dirty="0">
+              <a:rPr lang="ru-RU" sz="1800" kern="100" dirty="0">
+                <a:effectLst/>
                 <a:latin typeface="Times New Roman" panose="02020603050405020304" pitchFamily="18" charset="0"/>
+                <a:ea typeface="Calibri" panose="020F0502020204030204" pitchFamily="34" charset="0"/>
                 <a:cs typeface="Times New Roman" panose="02020603050405020304" pitchFamily="18" charset="0"/>
               </a:rPr>
-              <a:t>Создать пять и более веб-страниц интернет-ресурса с использованием технологий HTML5, CSS3 и JavaScript</a:t>
-            </a:r>
-          </a:p>
-          <a:p>
-            <a:pPr marL="342900" indent="-342900" algn="just">
+              <a:t>Создание веб-приложения с учетом специфики образовательной среды</a:t>
+            </a:r>
+            <a:endParaRPr lang="ru-RU" sz="1800" kern="100" dirty="0">
+              <a:effectLst/>
+              <a:latin typeface="Calibri" panose="020F0502020204030204" pitchFamily="34" charset="0"/>
+              <a:ea typeface="Calibri" panose="020F0502020204030204" pitchFamily="34" charset="0"/>
+              <a:cs typeface="Times New Roman" panose="02020603050405020304" pitchFamily="18" charset="0"/>
+            </a:endParaRPr>
+          </a:p>
+          <a:p>
+            <a:pPr marL="342900" lvl="0" indent="-342900" algn="just">
               <a:lnSpc>
                 <a:spcPct val="150000"/>
               </a:lnSpc>
-              <a:buFont typeface="+mj-lt"/>
-              <a:buAutoNum type="arabicPeriod"/>
+              <a:spcAft>
+                <a:spcPts val="800"/>
+              </a:spcAft>
+              <a:buFont typeface="Courier New" panose="02070309020205020404" pitchFamily="49" charset="0"/>
+              <a:buChar char="-"/>
             </a:pPr>
             <a:r>
-              <a:rPr lang="ru-RU" dirty="0">
+              <a:rPr lang="ru-RU" sz="1800" kern="100" dirty="0">
+                <a:effectLst/>
                 <a:latin typeface="Times New Roman" panose="02020603050405020304" pitchFamily="18" charset="0"/>
+                <a:ea typeface="Calibri" panose="020F0502020204030204" pitchFamily="34" charset="0"/>
                 <a:cs typeface="Times New Roman" panose="02020603050405020304" pitchFamily="18" charset="0"/>
               </a:rPr>
-              <a:t>Организовать межстраничную навигацию</a:t>
-            </a:r>
-          </a:p>
-          <a:p>
-            <a:pPr marL="342900" indent="-342900" algn="just">
-              <a:lnSpc>
-                <a:spcPct val="150000"/>
-              </a:lnSpc>
-              <a:buFont typeface="+mj-lt"/>
-              <a:buAutoNum type="arabicPeriod"/>
-            </a:pPr>
-            <a:r>
-              <a:rPr lang="ru-RU" dirty="0">
-                <a:latin typeface="Times New Roman" panose="02020603050405020304" pitchFamily="18" charset="0"/>
-                <a:cs typeface="Times New Roman" panose="02020603050405020304" pitchFamily="18" charset="0"/>
-              </a:rPr>
-              <a:t>Реализовать слой клиентской логики веб-страниц с применением технологии JavaScript</a:t>
-            </a:r>
-          </a:p>
-          <a:p>
-            <a:pPr marL="342900" indent="-342900" algn="just">
-              <a:lnSpc>
-                <a:spcPct val="150000"/>
-              </a:lnSpc>
-              <a:buFont typeface="+mj-lt"/>
-              <a:buAutoNum type="arabicPeriod"/>
-            </a:pPr>
-            <a:r>
-              <a:rPr lang="ru-RU" dirty="0">
-                <a:latin typeface="Times New Roman" panose="02020603050405020304" pitchFamily="18" charset="0"/>
-                <a:cs typeface="Times New Roman" panose="02020603050405020304" pitchFamily="18" charset="0"/>
-              </a:rPr>
-              <a:t>Провести оптимизацию веб-страниц и размещаемого контента для браузеров и различных видов устройств</a:t>
-            </a:r>
+              <a:t>Тестирование и отладка разработанного ресурса</a:t>
+            </a:r>
+            <a:endParaRPr lang="ru-RU" sz="1800" kern="100" dirty="0">
+              <a:effectLst/>
+              <a:latin typeface="Calibri" panose="020F0502020204030204" pitchFamily="34" charset="0"/>
+              <a:ea typeface="Calibri" panose="020F0502020204030204" pitchFamily="34" charset="0"/>
+              <a:cs typeface="Times New Roman" panose="02020603050405020304" pitchFamily="18" charset="0"/>
+            </a:endParaRPr>
           </a:p>
         </p:txBody>
       </p:sp>
@@ -5366,8 +5369,8 @@
         </p:nvSpPr>
         <p:spPr>
           <a:xfrm>
-            <a:off x="2856179" y="696777"/>
-            <a:ext cx="8996270" cy="584775"/>
+            <a:off x="0" y="572624"/>
+            <a:ext cx="12192000" cy="584775"/>
           </a:xfrm>
           <a:prstGeom prst="rect">
             <a:avLst/>
@@ -5380,14 +5383,14 @@
           </a:bodyPr>
           <a:lstStyle/>
           <a:p>
-            <a:pPr algn="just"/>
+            <a:pPr algn="ctr"/>
             <a:r>
               <a:rPr lang="ru-RU" sz="3200" b="1" dirty="0">
                 <a:effectLst/>
                 <a:latin typeface="Times New Roman" panose="02020603050405020304" pitchFamily="18" charset="0"/>
                 <a:ea typeface="Times New Roman" panose="02020603050405020304" pitchFamily="18" charset="0"/>
               </a:rPr>
-              <a:t>Демонстрация работы системы</a:t>
+              <a:t>Демонстрация адаптивности</a:t>
             </a:r>
           </a:p>
         </p:txBody>

--- a/Курсовая работа/БАК/Яскевич_презентация.pptx
+++ b/Курсовая работа/БАК/Яскевич_презентация.pptx
@@ -5,7 +5,7 @@
     <p:sldMasterId id="2147483648" r:id="rId1"/>
   </p:sldMasterIdLst>
   <p:notesMasterIdLst>
-    <p:notesMasterId r:id="rId10"/>
+    <p:notesMasterId r:id="rId11"/>
   </p:notesMasterIdLst>
   <p:sldIdLst>
     <p:sldId id="256" r:id="rId2"/>
@@ -13,9 +13,10 @@
     <p:sldId id="259" r:id="rId4"/>
     <p:sldId id="262" r:id="rId5"/>
     <p:sldId id="265" r:id="rId6"/>
-    <p:sldId id="261" r:id="rId7"/>
-    <p:sldId id="263" r:id="rId8"/>
-    <p:sldId id="264" r:id="rId9"/>
+    <p:sldId id="266" r:id="rId7"/>
+    <p:sldId id="261" r:id="rId8"/>
+    <p:sldId id="263" r:id="rId9"/>
+    <p:sldId id="264" r:id="rId10"/>
   </p:sldIdLst>
   <p:sldSz cx="12192000" cy="6858000"/>
   <p:notesSz cx="6858000" cy="9144000"/>
@@ -215,7 +216,7 @@
           <a:p>
             <a:fld id="{1A43C107-8685-436D-BC8C-6912EA8C90FB}" type="datetimeFigureOut">
               <a:rPr lang="ru-RU" smtClean="0"/>
-              <a:t>09.12.2024</a:t>
+              <a:t>15.12.2024</a:t>
             </a:fld>
             <a:endParaRPr lang="ru-RU"/>
           </a:p>
@@ -629,7 +630,7 @@
           <a:p>
             <a:fld id="{B6ACE91A-B65F-4658-86EB-25731B7866B9}" type="datetime1">
               <a:rPr lang="ru-RU" smtClean="0"/>
-              <a:t>09.12.2024</a:t>
+              <a:t>15.12.2024</a:t>
             </a:fld>
             <a:endParaRPr lang="ru-RU"/>
           </a:p>
@@ -827,7 +828,7 @@
           <a:p>
             <a:fld id="{F99AD113-6F69-4D14-AB38-A46D327F008C}" type="datetime1">
               <a:rPr lang="ru-RU" smtClean="0"/>
-              <a:t>09.12.2024</a:t>
+              <a:t>15.12.2024</a:t>
             </a:fld>
             <a:endParaRPr lang="ru-RU"/>
           </a:p>
@@ -1035,7 +1036,7 @@
           <a:p>
             <a:fld id="{97E556EE-2A57-4412-81D7-1C74B3A08179}" type="datetime1">
               <a:rPr lang="ru-RU" smtClean="0"/>
-              <a:t>09.12.2024</a:t>
+              <a:t>15.12.2024</a:t>
             </a:fld>
             <a:endParaRPr lang="ru-RU"/>
           </a:p>
@@ -1233,7 +1234,7 @@
           <a:p>
             <a:fld id="{B4BD5679-FE8A-4606-A4D1-8054FDEC5721}" type="datetime1">
               <a:rPr lang="ru-RU" smtClean="0"/>
-              <a:t>09.12.2024</a:t>
+              <a:t>15.12.2024</a:t>
             </a:fld>
             <a:endParaRPr lang="ru-RU"/>
           </a:p>
@@ -1508,7 +1509,7 @@
           <a:p>
             <a:fld id="{845E5C1E-6C26-4020-B965-6CA23A10A126}" type="datetime1">
               <a:rPr lang="ru-RU" smtClean="0"/>
-              <a:t>09.12.2024</a:t>
+              <a:t>15.12.2024</a:t>
             </a:fld>
             <a:endParaRPr lang="ru-RU"/>
           </a:p>
@@ -1773,7 +1774,7 @@
           <a:p>
             <a:fld id="{12C599C9-F7E5-4809-A5B4-678FC2685818}" type="datetime1">
               <a:rPr lang="ru-RU" smtClean="0"/>
-              <a:t>09.12.2024</a:t>
+              <a:t>15.12.2024</a:t>
             </a:fld>
             <a:endParaRPr lang="ru-RU"/>
           </a:p>
@@ -2185,7 +2186,7 @@
           <a:p>
             <a:fld id="{1AB9CA44-0D52-43A2-8A68-41E394FD5883}" type="datetime1">
               <a:rPr lang="ru-RU" smtClean="0"/>
-              <a:t>09.12.2024</a:t>
+              <a:t>15.12.2024</a:t>
             </a:fld>
             <a:endParaRPr lang="ru-RU"/>
           </a:p>
@@ -2326,7 +2327,7 @@
           <a:p>
             <a:fld id="{B6CFC4BE-359D-4C64-99B5-72940288F1ED}" type="datetime1">
               <a:rPr lang="ru-RU" smtClean="0"/>
-              <a:t>09.12.2024</a:t>
+              <a:t>15.12.2024</a:t>
             </a:fld>
             <a:endParaRPr lang="ru-RU"/>
           </a:p>
@@ -2439,7 +2440,7 @@
           <a:p>
             <a:fld id="{AF778C73-E441-467B-814E-85D045627557}" type="datetime1">
               <a:rPr lang="ru-RU" smtClean="0"/>
-              <a:t>09.12.2024</a:t>
+              <a:t>15.12.2024</a:t>
             </a:fld>
             <a:endParaRPr lang="ru-RU"/>
           </a:p>
@@ -2750,7 +2751,7 @@
           <a:p>
             <a:fld id="{5E16939E-8924-468C-B445-FF98E3B98B38}" type="datetime1">
               <a:rPr lang="ru-RU" smtClean="0"/>
-              <a:t>09.12.2024</a:t>
+              <a:t>15.12.2024</a:t>
             </a:fld>
             <a:endParaRPr lang="ru-RU"/>
           </a:p>
@@ -3038,7 +3039,7 @@
           <a:p>
             <a:fld id="{1EDB061B-2C75-49FD-B8FB-B2D2AAC7DF3D}" type="datetime1">
               <a:rPr lang="ru-RU" smtClean="0"/>
-              <a:t>09.12.2024</a:t>
+              <a:t>15.12.2024</a:t>
             </a:fld>
             <a:endParaRPr lang="ru-RU"/>
           </a:p>
@@ -3279,7 +3280,7 @@
           <a:p>
             <a:fld id="{94C161AF-803E-4C3B-893E-8C70DD110C0F}" type="datetime1">
               <a:rPr lang="ru-RU" smtClean="0"/>
-              <a:t>09.12.2024</a:t>
+              <a:t>15.12.2024</a:t>
             </a:fld>
             <a:endParaRPr lang="ru-RU"/>
           </a:p>
@@ -4849,10 +4850,10 @@
       </p:sp>
       <p:pic>
         <p:nvPicPr>
-          <p:cNvPr id="9" name="Рисунок 8">
-            <a:extLst>
-              <a:ext uri="{FF2B5EF4-FFF2-40B4-BE49-F238E27FC236}">
-                <a16:creationId xmlns:a16="http://schemas.microsoft.com/office/drawing/2014/main" id="{4AE75F9E-C6BD-7446-2356-EFA1628EAA1A}"/>
+          <p:cNvPr id="5" name="Рисунок 4">
+            <a:extLst>
+              <a:ext uri="{FF2B5EF4-FFF2-40B4-BE49-F238E27FC236}">
+                <a16:creationId xmlns:a16="http://schemas.microsoft.com/office/drawing/2014/main" id="{F6B6AD52-2FD1-B60E-E4FB-6DD5A6B5A721}"/>
               </a:ext>
             </a:extLst>
           </p:cNvPr>
@@ -4863,14 +4864,13 @@
         </p:nvPicPr>
         <p:blipFill>
           <a:blip r:embed="rId3"/>
-          <a:stretch>
-            <a:fillRect/>
-          </a:stretch>
+          <a:srcRect t="409" b="1694"/>
+          <a:stretch/>
         </p:blipFill>
         <p:spPr>
           <a:xfrm>
-            <a:off x="3355506" y="1176489"/>
-            <a:ext cx="4828186" cy="4505021"/>
+            <a:off x="3596298" y="1196752"/>
+            <a:ext cx="4999404" cy="4541692"/>
           </a:xfrm>
           <a:prstGeom prst="rect">
             <a:avLst/>
@@ -5189,7 +5189,13 @@
   <p:cSld>
     <p:spTree>
       <p:nvGrpSpPr>
-        <p:cNvPr id="1" name=""/>
+        <p:cNvPr id="1" name="">
+          <a:extLst>
+            <a:ext uri="{FF2B5EF4-FFF2-40B4-BE49-F238E27FC236}">
+              <a16:creationId xmlns:a16="http://schemas.microsoft.com/office/drawing/2014/main" id="{1EB12733-DB25-2B3F-62DC-200176B89C8C}"/>
+            </a:ext>
+          </a:extLst>
+        </p:cNvPr>
         <p:cNvGrpSpPr/>
         <p:nvPr/>
       </p:nvGrpSpPr>
@@ -5201,12 +5207,95 @@
           <a:chExt cx="0" cy="0"/>
         </a:xfrm>
       </p:grpSpPr>
+      <p:sp>
+        <p:nvSpPr>
+          <p:cNvPr id="4" name="Номер слайда 3">
+            <a:extLst>
+              <a:ext uri="{FF2B5EF4-FFF2-40B4-BE49-F238E27FC236}">
+                <a16:creationId xmlns:a16="http://schemas.microsoft.com/office/drawing/2014/main" id="{E11E4B92-E792-3508-C4F9-24E28A3C201D}"/>
+              </a:ext>
+            </a:extLst>
+          </p:cNvPr>
+          <p:cNvSpPr>
+            <a:spLocks noGrp="1"/>
+          </p:cNvSpPr>
+          <p:nvPr>
+            <p:ph type="sldNum" sz="quarter" idx="12"/>
+          </p:nvPr>
+        </p:nvSpPr>
+        <p:spPr>
+          <a:xfrm>
+            <a:off x="9115606" y="6190981"/>
+            <a:ext cx="2743200" cy="365125"/>
+          </a:xfrm>
+        </p:spPr>
+        <p:txBody>
+          <a:bodyPr/>
+          <a:lstStyle/>
+          <a:p>
+            <a:r>
+              <a:rPr lang="ru-RU" sz="2800" dirty="0">
+                <a:solidFill>
+                  <a:schemeClr val="tx1"/>
+                </a:solidFill>
+                <a:latin typeface="Times New Roman" panose="02020603050405020304" pitchFamily="18" charset="0"/>
+                <a:cs typeface="Times New Roman" panose="02020603050405020304" pitchFamily="18" charset="0"/>
+              </a:rPr>
+              <a:t>7</a:t>
+            </a:r>
+          </a:p>
+        </p:txBody>
+      </p:sp>
+      <p:sp>
+        <p:nvSpPr>
+          <p:cNvPr id="6" name="TextBox 5">
+            <a:extLst>
+              <a:ext uri="{FF2B5EF4-FFF2-40B4-BE49-F238E27FC236}">
+                <a16:creationId xmlns:a16="http://schemas.microsoft.com/office/drawing/2014/main" id="{38772E71-2ECC-604A-1C44-EB963406F14C}"/>
+              </a:ext>
+            </a:extLst>
+          </p:cNvPr>
+          <p:cNvSpPr txBox="1"/>
+          <p:nvPr/>
+        </p:nvSpPr>
+        <p:spPr>
+          <a:xfrm>
+            <a:off x="0" y="497943"/>
+            <a:ext cx="12192000" cy="523220"/>
+          </a:xfrm>
+          <a:prstGeom prst="rect">
+            <a:avLst/>
+          </a:prstGeom>
+          <a:noFill/>
+        </p:spPr>
+        <p:txBody>
+          <a:bodyPr wrap="square">
+            <a:spAutoFit/>
+          </a:bodyPr>
+          <a:lstStyle/>
+          <a:p>
+            <a:pPr algn="ctr"/>
+            <a:r>
+              <a:rPr lang="ru-RU" sz="2800" b="1" dirty="0">
+                <a:latin typeface="Times New Roman" panose="02020603050405020304" pitchFamily="18" charset="0"/>
+                <a:ea typeface="Times New Roman" panose="02020603050405020304" pitchFamily="18" charset="0"/>
+              </a:rPr>
+              <a:t>Реализация межстраничной навигации</a:t>
+            </a:r>
+            <a:endParaRPr lang="ru-RU" sz="2800" b="1" dirty="0">
+              <a:effectLst/>
+              <a:latin typeface="Times New Roman" panose="02020603050405020304" pitchFamily="18" charset="0"/>
+              <a:ea typeface="Times New Roman" panose="02020603050405020304" pitchFamily="18" charset="0"/>
+            </a:endParaRPr>
+          </a:p>
+        </p:txBody>
+      </p:sp>
       <p:pic>
         <p:nvPicPr>
-          <p:cNvPr id="12" name="image3.png">
-            <a:extLst>
-              <a:ext uri="{FF2B5EF4-FFF2-40B4-BE49-F238E27FC236}">
-                <a16:creationId xmlns:a16="http://schemas.microsoft.com/office/drawing/2014/main" id="{B84508BB-DFB9-485A-8986-46D473727F47}"/>
+          <p:cNvPr id="7" name="image3.png">
+            <a:extLst>
+              <a:ext uri="{FF2B5EF4-FFF2-40B4-BE49-F238E27FC236}">
+                <a16:creationId xmlns:a16="http://schemas.microsoft.com/office/drawing/2014/main" id="{7735D2BA-C708-C9C7-2BBA-F56A6E868E23}"/>
               </a:ext>
             </a:extLst>
           </p:cNvPr>
@@ -5233,56 +5322,10 @@
       </p:pic>
       <p:sp>
         <p:nvSpPr>
-          <p:cNvPr id="4" name="Номер слайда 3">
-            <a:extLst>
-              <a:ext uri="{FF2B5EF4-FFF2-40B4-BE49-F238E27FC236}">
-                <a16:creationId xmlns:a16="http://schemas.microsoft.com/office/drawing/2014/main" id="{2018187C-5EE3-41DC-B3D7-2B7D1B7BFB25}"/>
-              </a:ext>
-            </a:extLst>
-          </p:cNvPr>
-          <p:cNvSpPr>
-            <a:spLocks noGrp="1"/>
-          </p:cNvSpPr>
-          <p:nvPr>
-            <p:ph type="sldNum" sz="quarter" idx="12"/>
-          </p:nvPr>
-        </p:nvSpPr>
-        <p:spPr>
-          <a:xfrm>
-            <a:off x="9109249" y="6184639"/>
-            <a:ext cx="2743200" cy="365125"/>
-          </a:xfrm>
-        </p:spPr>
-        <p:txBody>
-          <a:bodyPr/>
-          <a:lstStyle/>
-          <a:p>
-            <a:fld id="{E1A21559-9A13-420A-AB74-70ADF30B40E9}" type="slidenum">
-              <a:rPr lang="ru-RU" sz="2800" smtClean="0">
-                <a:solidFill>
-                  <a:schemeClr val="tx1"/>
-                </a:solidFill>
-                <a:latin typeface="Times New Roman" panose="02020603050405020304" pitchFamily="18" charset="0"/>
-                <a:cs typeface="Times New Roman" panose="02020603050405020304" pitchFamily="18" charset="0"/>
-              </a:rPr>
-              <a:t>6</a:t>
-            </a:fld>
-            <a:endParaRPr lang="ru-RU" sz="2800" dirty="0">
-              <a:solidFill>
-                <a:schemeClr val="tx1"/>
-              </a:solidFill>
-              <a:latin typeface="Times New Roman" panose="02020603050405020304" pitchFamily="18" charset="0"/>
-              <a:cs typeface="Times New Roman" panose="02020603050405020304" pitchFamily="18" charset="0"/>
-            </a:endParaRPr>
-          </a:p>
-        </p:txBody>
-      </p:sp>
-      <p:sp>
-        <p:nvSpPr>
-          <p:cNvPr id="11" name="TextBox 10">
-            <a:extLst>
-              <a:ext uri="{FF2B5EF4-FFF2-40B4-BE49-F238E27FC236}">
-                <a16:creationId xmlns:a16="http://schemas.microsoft.com/office/drawing/2014/main" id="{46618C52-31DE-4127-90A6-056BF2BA2131}"/>
+          <p:cNvPr id="10" name="TextBox 9">
+            <a:extLst>
+              <a:ext uri="{FF2B5EF4-FFF2-40B4-BE49-F238E27FC236}">
+                <a16:creationId xmlns:a16="http://schemas.microsoft.com/office/drawing/2014/main" id="{908ADABD-2FB9-3351-DAC1-4400F09ABC80}"/>
               </a:ext>
             </a:extLst>
           </p:cNvPr>
@@ -5291,8 +5334,8 @@
         </p:nvSpPr>
         <p:spPr>
           <a:xfrm>
-            <a:off x="165798" y="5687048"/>
-            <a:ext cx="7595710" cy="338554"/>
+            <a:off x="3863752" y="5173840"/>
+            <a:ext cx="5028303" cy="338554"/>
           </a:xfrm>
           <a:prstGeom prst="rect">
             <a:avLst/>
@@ -5311,96 +5354,17 @@
                 <a:latin typeface="Times New Roman" panose="02020603050405020304" pitchFamily="18" charset="0"/>
                 <a:cs typeface="Times New Roman" panose="02020603050405020304" pitchFamily="18" charset="0"/>
               </a:rPr>
-              <a:t>Рисунок 4 – Интерфейс сайта на ПК</a:t>
-            </a:r>
-          </a:p>
-        </p:txBody>
-      </p:sp>
-      <p:sp>
-        <p:nvSpPr>
-          <p:cNvPr id="5" name="TextBox 4">
-            <a:extLst>
-              <a:ext uri="{FF2B5EF4-FFF2-40B4-BE49-F238E27FC236}">
-                <a16:creationId xmlns:a16="http://schemas.microsoft.com/office/drawing/2014/main" id="{B5DB86E3-6D9D-F06E-F37E-CCA33963C3C2}"/>
-              </a:ext>
-            </a:extLst>
-          </p:cNvPr>
-          <p:cNvSpPr txBox="1"/>
-          <p:nvPr/>
-        </p:nvSpPr>
-        <p:spPr>
-          <a:xfrm>
-            <a:off x="7247096" y="5687048"/>
-            <a:ext cx="3958075" cy="338554"/>
-          </a:xfrm>
-          <a:prstGeom prst="rect">
-            <a:avLst/>
-          </a:prstGeom>
-          <a:noFill/>
-        </p:spPr>
-        <p:txBody>
-          <a:bodyPr wrap="square" rtlCol="0">
-            <a:spAutoFit/>
-          </a:bodyPr>
-          <a:lstStyle/>
-          <a:p>
-            <a:pPr algn="ctr"/>
-            <a:r>
-              <a:rPr lang="ru-RU" sz="1600" dirty="0">
-                <a:latin typeface="Times New Roman" panose="02020603050405020304" pitchFamily="18" charset="0"/>
-                <a:cs typeface="Times New Roman" panose="02020603050405020304" pitchFamily="18" charset="0"/>
-              </a:rPr>
-              <a:t>Рисунок 5 – Интерфейс сайта на телефоне</a:t>
-            </a:r>
-          </a:p>
-        </p:txBody>
-      </p:sp>
-      <p:sp>
-        <p:nvSpPr>
-          <p:cNvPr id="6" name="TextBox 5">
-            <a:extLst>
-              <a:ext uri="{FF2B5EF4-FFF2-40B4-BE49-F238E27FC236}">
-                <a16:creationId xmlns:a16="http://schemas.microsoft.com/office/drawing/2014/main" id="{4BEA74F3-093F-4CCB-53CB-9C70109A8BC9}"/>
-              </a:ext>
-            </a:extLst>
-          </p:cNvPr>
-          <p:cNvSpPr txBox="1"/>
-          <p:nvPr/>
-        </p:nvSpPr>
-        <p:spPr>
-          <a:xfrm>
-            <a:off x="0" y="572624"/>
-            <a:ext cx="12192000" cy="584775"/>
-          </a:xfrm>
-          <a:prstGeom prst="rect">
-            <a:avLst/>
-          </a:prstGeom>
-          <a:noFill/>
-        </p:spPr>
-        <p:txBody>
-          <a:bodyPr wrap="square">
-            <a:spAutoFit/>
-          </a:bodyPr>
-          <a:lstStyle/>
-          <a:p>
-            <a:pPr algn="ctr"/>
-            <a:r>
-              <a:rPr lang="ru-RU" sz="3200" b="1" dirty="0">
-                <a:effectLst/>
-                <a:latin typeface="Times New Roman" panose="02020603050405020304" pitchFamily="18" charset="0"/>
-                <a:ea typeface="Times New Roman" panose="02020603050405020304" pitchFamily="18" charset="0"/>
-              </a:rPr>
-              <a:t>Демонстрация адаптивности</a:t>
+              <a:t>Рисунок 4 — Навигация сайта</a:t>
             </a:r>
           </a:p>
         </p:txBody>
       </p:sp>
       <p:pic>
         <p:nvPicPr>
-          <p:cNvPr id="8" name="Рисунок 7">
-            <a:extLst>
-              <a:ext uri="{FF2B5EF4-FFF2-40B4-BE49-F238E27FC236}">
-                <a16:creationId xmlns:a16="http://schemas.microsoft.com/office/drawing/2014/main" id="{A4AF4C21-E8CA-0C65-8084-B41B31D5FD17}"/>
+          <p:cNvPr id="3" name="Рисунок 2">
+            <a:extLst>
+              <a:ext uri="{FF2B5EF4-FFF2-40B4-BE49-F238E27FC236}">
+                <a16:creationId xmlns:a16="http://schemas.microsoft.com/office/drawing/2014/main" id="{0063B4AE-B24C-427D-6252-EAAD1A5A9FE7}"/>
               </a:ext>
             </a:extLst>
           </p:cNvPr>
@@ -5410,44 +5374,21 @@
           <p:nvPr/>
         </p:nvPicPr>
         <p:blipFill>
-          <a:blip r:embed="rId3"/>
-          <a:srcRect l="8786" r="6281"/>
-          <a:stretch/>
-        </p:blipFill>
-        <p:spPr>
-          <a:xfrm>
-            <a:off x="191344" y="1375803"/>
-            <a:ext cx="7595710" cy="4311245"/>
-          </a:xfrm>
-          <a:prstGeom prst="rect">
-            <a:avLst/>
-          </a:prstGeom>
-        </p:spPr>
-      </p:pic>
-      <p:pic>
-        <p:nvPicPr>
-          <p:cNvPr id="14" name="Рисунок 13">
-            <a:extLst>
-              <a:ext uri="{FF2B5EF4-FFF2-40B4-BE49-F238E27FC236}">
-                <a16:creationId xmlns:a16="http://schemas.microsoft.com/office/drawing/2014/main" id="{5B40BD3B-EEAD-A742-5587-CA67FBDFEFDC}"/>
-              </a:ext>
-            </a:extLst>
-          </p:cNvPr>
-          <p:cNvPicPr>
-            <a:picLocks noChangeAspect="1"/>
-          </p:cNvPicPr>
-          <p:nvPr/>
-        </p:nvPicPr>
-        <p:blipFill>
-          <a:blip r:embed="rId4"/>
+          <a:blip r:embed="rId3">
+            <a:extLst>
+              <a:ext uri="{28A0092B-C50C-407E-A947-70E740481C1C}">
+                <a14:useLocalDpi xmlns:a14="http://schemas.microsoft.com/office/drawing/2010/main" val="0"/>
+              </a:ext>
+            </a:extLst>
+          </a:blip>
           <a:stretch>
             <a:fillRect/>
           </a:stretch>
         </p:blipFill>
         <p:spPr>
           <a:xfrm>
-            <a:off x="8233925" y="1375803"/>
-            <a:ext cx="1984418" cy="4311246"/>
+            <a:off x="2604776" y="925857"/>
+            <a:ext cx="6982447" cy="4264616"/>
           </a:xfrm>
           <a:prstGeom prst="rect">
             <a:avLst/>
@@ -5457,7 +5398,7 @@
     </p:spTree>
     <p:extLst>
       <p:ext uri="{BB962C8B-B14F-4D97-AF65-F5344CB8AC3E}">
-        <p14:creationId xmlns:p14="http://schemas.microsoft.com/office/powerpoint/2010/main" val="655079232"/>
+        <p14:creationId xmlns:p14="http://schemas.microsoft.com/office/powerpoint/2010/main" val="1430519546"/>
       </p:ext>
     </p:extLst>
   </p:cSld>
@@ -5484,12 +5425,42 @@
           <a:chExt cx="0" cy="0"/>
         </a:xfrm>
       </p:grpSpPr>
+      <p:pic>
+        <p:nvPicPr>
+          <p:cNvPr id="12" name="image3.png">
+            <a:extLst>
+              <a:ext uri="{FF2B5EF4-FFF2-40B4-BE49-F238E27FC236}">
+                <a16:creationId xmlns:a16="http://schemas.microsoft.com/office/drawing/2014/main" id="{B84508BB-DFB9-485A-8986-46D473727F47}"/>
+              </a:ext>
+            </a:extLst>
+          </p:cNvPr>
+          <p:cNvPicPr/>
+          <p:nvPr/>
+        </p:nvPicPr>
+        <p:blipFill>
+          <a:blip r:embed="rId2"/>
+          <a:srcRect/>
+          <a:stretch>
+            <a:fillRect/>
+          </a:stretch>
+        </p:blipFill>
+        <p:spPr>
+          <a:xfrm>
+            <a:off x="10593512" y="301894"/>
+            <a:ext cx="1258937" cy="1434918"/>
+          </a:xfrm>
+          <a:prstGeom prst="rect">
+            <a:avLst/>
+          </a:prstGeom>
+          <a:ln/>
+        </p:spPr>
+      </p:pic>
       <p:sp>
         <p:nvSpPr>
           <p:cNvPr id="4" name="Номер слайда 3">
             <a:extLst>
               <a:ext uri="{FF2B5EF4-FFF2-40B4-BE49-F238E27FC236}">
-                <a16:creationId xmlns:a16="http://schemas.microsoft.com/office/drawing/2014/main" id="{80B8D3C2-B227-48BA-B007-BBC359BECE85}"/>
+                <a16:creationId xmlns:a16="http://schemas.microsoft.com/office/drawing/2014/main" id="{2018187C-5EE3-41DC-B3D7-2B7D1B7BFB25}"/>
               </a:ext>
             </a:extLst>
           </p:cNvPr>
@@ -5510,23 +5481,263 @@
           <a:bodyPr/>
           <a:lstStyle/>
           <a:p>
-            <a:fld id="{E1A21559-9A13-420A-AB74-70ADF30B40E9}" type="slidenum">
-              <a:rPr lang="ru-RU" sz="2800" smtClean="0">
+            <a:r>
+              <a:rPr lang="ru-RU" sz="2800" dirty="0">
                 <a:solidFill>
                   <a:schemeClr val="tx1"/>
                 </a:solidFill>
                 <a:latin typeface="Times New Roman" panose="02020603050405020304" pitchFamily="18" charset="0"/>
                 <a:cs typeface="Times New Roman" panose="02020603050405020304" pitchFamily="18" charset="0"/>
               </a:rPr>
-              <a:t>7</a:t>
-            </a:fld>
-            <a:endParaRPr lang="ru-RU" sz="2800">
-              <a:solidFill>
-                <a:schemeClr val="tx1"/>
-              </a:solidFill>
-              <a:latin typeface="Times New Roman" panose="02020603050405020304" pitchFamily="18" charset="0"/>
-              <a:cs typeface="Times New Roman" panose="02020603050405020304" pitchFamily="18" charset="0"/>
-            </a:endParaRPr>
+              <a:t>8</a:t>
+            </a:r>
+          </a:p>
+        </p:txBody>
+      </p:sp>
+      <p:sp>
+        <p:nvSpPr>
+          <p:cNvPr id="11" name="TextBox 10">
+            <a:extLst>
+              <a:ext uri="{FF2B5EF4-FFF2-40B4-BE49-F238E27FC236}">
+                <a16:creationId xmlns:a16="http://schemas.microsoft.com/office/drawing/2014/main" id="{46618C52-31DE-4127-90A6-056BF2BA2131}"/>
+              </a:ext>
+            </a:extLst>
+          </p:cNvPr>
+          <p:cNvSpPr txBox="1"/>
+          <p:nvPr/>
+        </p:nvSpPr>
+        <p:spPr>
+          <a:xfrm>
+            <a:off x="165798" y="5687048"/>
+            <a:ext cx="7595710" cy="338554"/>
+          </a:xfrm>
+          <a:prstGeom prst="rect">
+            <a:avLst/>
+          </a:prstGeom>
+          <a:noFill/>
+        </p:spPr>
+        <p:txBody>
+          <a:bodyPr wrap="square" rtlCol="0">
+            <a:spAutoFit/>
+          </a:bodyPr>
+          <a:lstStyle/>
+          <a:p>
+            <a:pPr algn="ctr"/>
+            <a:r>
+              <a:rPr lang="ru-RU" sz="1600" dirty="0">
+                <a:latin typeface="Times New Roman" panose="02020603050405020304" pitchFamily="18" charset="0"/>
+                <a:cs typeface="Times New Roman" panose="02020603050405020304" pitchFamily="18" charset="0"/>
+              </a:rPr>
+              <a:t>Рисунок 5 – Интерфейс сайта на ПК</a:t>
+            </a:r>
+          </a:p>
+        </p:txBody>
+      </p:sp>
+      <p:sp>
+        <p:nvSpPr>
+          <p:cNvPr id="5" name="TextBox 4">
+            <a:extLst>
+              <a:ext uri="{FF2B5EF4-FFF2-40B4-BE49-F238E27FC236}">
+                <a16:creationId xmlns:a16="http://schemas.microsoft.com/office/drawing/2014/main" id="{B5DB86E3-6D9D-F06E-F37E-CCA33963C3C2}"/>
+              </a:ext>
+            </a:extLst>
+          </p:cNvPr>
+          <p:cNvSpPr txBox="1"/>
+          <p:nvPr/>
+        </p:nvSpPr>
+        <p:spPr>
+          <a:xfrm>
+            <a:off x="7247096" y="5687048"/>
+            <a:ext cx="3958075" cy="338554"/>
+          </a:xfrm>
+          <a:prstGeom prst="rect">
+            <a:avLst/>
+          </a:prstGeom>
+          <a:noFill/>
+        </p:spPr>
+        <p:txBody>
+          <a:bodyPr wrap="square" rtlCol="0">
+            <a:spAutoFit/>
+          </a:bodyPr>
+          <a:lstStyle/>
+          <a:p>
+            <a:pPr algn="ctr"/>
+            <a:r>
+              <a:rPr lang="ru-RU" sz="1600" dirty="0">
+                <a:latin typeface="Times New Roman" panose="02020603050405020304" pitchFamily="18" charset="0"/>
+                <a:cs typeface="Times New Roman" panose="02020603050405020304" pitchFamily="18" charset="0"/>
+              </a:rPr>
+              <a:t>Рисунок 6 – Интерфейс сайта на телефоне</a:t>
+            </a:r>
+          </a:p>
+        </p:txBody>
+      </p:sp>
+      <p:sp>
+        <p:nvSpPr>
+          <p:cNvPr id="6" name="TextBox 5">
+            <a:extLst>
+              <a:ext uri="{FF2B5EF4-FFF2-40B4-BE49-F238E27FC236}">
+                <a16:creationId xmlns:a16="http://schemas.microsoft.com/office/drawing/2014/main" id="{4BEA74F3-093F-4CCB-53CB-9C70109A8BC9}"/>
+              </a:ext>
+            </a:extLst>
+          </p:cNvPr>
+          <p:cNvSpPr txBox="1"/>
+          <p:nvPr/>
+        </p:nvSpPr>
+        <p:spPr>
+          <a:xfrm>
+            <a:off x="0" y="572624"/>
+            <a:ext cx="12192000" cy="584775"/>
+          </a:xfrm>
+          <a:prstGeom prst="rect">
+            <a:avLst/>
+          </a:prstGeom>
+          <a:noFill/>
+        </p:spPr>
+        <p:txBody>
+          <a:bodyPr wrap="square">
+            <a:spAutoFit/>
+          </a:bodyPr>
+          <a:lstStyle/>
+          <a:p>
+            <a:pPr algn="ctr"/>
+            <a:r>
+              <a:rPr lang="ru-RU" sz="3200" b="1" dirty="0">
+                <a:effectLst/>
+                <a:latin typeface="Times New Roman" panose="02020603050405020304" pitchFamily="18" charset="0"/>
+                <a:ea typeface="Times New Roman" panose="02020603050405020304" pitchFamily="18" charset="0"/>
+              </a:rPr>
+              <a:t>Демонстрация адаптивности</a:t>
+            </a:r>
+          </a:p>
+        </p:txBody>
+      </p:sp>
+      <p:pic>
+        <p:nvPicPr>
+          <p:cNvPr id="2" name="Рисунок 1">
+            <a:extLst>
+              <a:ext uri="{FF2B5EF4-FFF2-40B4-BE49-F238E27FC236}">
+                <a16:creationId xmlns:a16="http://schemas.microsoft.com/office/drawing/2014/main" id="{81F951B2-4334-426C-8802-209DF6FB6236}"/>
+              </a:ext>
+            </a:extLst>
+          </p:cNvPr>
+          <p:cNvPicPr>
+            <a:picLocks noChangeAspect="1"/>
+          </p:cNvPicPr>
+          <p:nvPr/>
+        </p:nvPicPr>
+        <p:blipFill>
+          <a:blip r:embed="rId3"/>
+          <a:stretch>
+            <a:fillRect/>
+          </a:stretch>
+        </p:blipFill>
+        <p:spPr>
+          <a:xfrm>
+            <a:off x="779444" y="1344461"/>
+            <a:ext cx="6368417" cy="4258919"/>
+          </a:xfrm>
+          <a:prstGeom prst="rect">
+            <a:avLst/>
+          </a:prstGeom>
+        </p:spPr>
+      </p:pic>
+      <p:pic>
+        <p:nvPicPr>
+          <p:cNvPr id="3" name="Рисунок 2">
+            <a:extLst>
+              <a:ext uri="{FF2B5EF4-FFF2-40B4-BE49-F238E27FC236}">
+                <a16:creationId xmlns:a16="http://schemas.microsoft.com/office/drawing/2014/main" id="{71B01B0F-D85D-2CCB-7759-6F0A689FC170}"/>
+              </a:ext>
+            </a:extLst>
+          </p:cNvPr>
+          <p:cNvPicPr>
+            <a:picLocks noChangeAspect="1"/>
+          </p:cNvPicPr>
+          <p:nvPr/>
+        </p:nvPicPr>
+        <p:blipFill>
+          <a:blip r:embed="rId4"/>
+          <a:stretch>
+            <a:fillRect/>
+          </a:stretch>
+        </p:blipFill>
+        <p:spPr>
+          <a:xfrm>
+            <a:off x="8088169" y="1344461"/>
+            <a:ext cx="2042160" cy="4231005"/>
+          </a:xfrm>
+          <a:prstGeom prst="rect">
+            <a:avLst/>
+          </a:prstGeom>
+        </p:spPr>
+      </p:pic>
+    </p:spTree>
+    <p:extLst>
+      <p:ext uri="{BB962C8B-B14F-4D97-AF65-F5344CB8AC3E}">
+        <p14:creationId xmlns:p14="http://schemas.microsoft.com/office/powerpoint/2010/main" val="655079232"/>
+      </p:ext>
+    </p:extLst>
+  </p:cSld>
+  <p:clrMapOvr>
+    <a:masterClrMapping/>
+  </p:clrMapOvr>
+</p:sld>
+</file>
+
+<file path=ppt/slides/slide8.xml><?xml version="1.0" encoding="utf-8"?>
+<p:sld xmlns:a="http://schemas.openxmlformats.org/drawingml/2006/main" xmlns:r="http://schemas.openxmlformats.org/officeDocument/2006/relationships" xmlns:p="http://schemas.openxmlformats.org/presentationml/2006/main">
+  <p:cSld>
+    <p:spTree>
+      <p:nvGrpSpPr>
+        <p:cNvPr id="1" name=""/>
+        <p:cNvGrpSpPr/>
+        <p:nvPr/>
+      </p:nvGrpSpPr>
+      <p:grpSpPr>
+        <a:xfrm>
+          <a:off x="0" y="0"/>
+          <a:ext cx="0" cy="0"/>
+          <a:chOff x="0" y="0"/>
+          <a:chExt cx="0" cy="0"/>
+        </a:xfrm>
+      </p:grpSpPr>
+      <p:sp>
+        <p:nvSpPr>
+          <p:cNvPr id="4" name="Номер слайда 3">
+            <a:extLst>
+              <a:ext uri="{FF2B5EF4-FFF2-40B4-BE49-F238E27FC236}">
+                <a16:creationId xmlns:a16="http://schemas.microsoft.com/office/drawing/2014/main" id="{80B8D3C2-B227-48BA-B007-BBC359BECE85}"/>
+              </a:ext>
+            </a:extLst>
+          </p:cNvPr>
+          <p:cNvSpPr>
+            <a:spLocks noGrp="1"/>
+          </p:cNvSpPr>
+          <p:nvPr>
+            <p:ph type="sldNum" sz="quarter" idx="12"/>
+          </p:nvPr>
+        </p:nvSpPr>
+        <p:spPr>
+          <a:xfrm>
+            <a:off x="9109249" y="6190981"/>
+            <a:ext cx="2743200" cy="365125"/>
+          </a:xfrm>
+        </p:spPr>
+        <p:txBody>
+          <a:bodyPr/>
+          <a:lstStyle/>
+          <a:p>
+            <a:r>
+              <a:rPr lang="ru-RU" sz="2800" dirty="0">
+                <a:solidFill>
+                  <a:schemeClr val="tx1"/>
+                </a:solidFill>
+                <a:latin typeface="Times New Roman" panose="02020603050405020304" pitchFamily="18" charset="0"/>
+                <a:cs typeface="Times New Roman" panose="02020603050405020304" pitchFamily="18" charset="0"/>
+              </a:rPr>
+              <a:t>9</a:t>
+            </a:r>
           </a:p>
         </p:txBody>
       </p:sp>
@@ -5808,7 +6019,7 @@
 </p:sld>
 </file>
 
-<file path=ppt/slides/slide8.xml><?xml version="1.0" encoding="utf-8"?>
+<file path=ppt/slides/slide9.xml><?xml version="1.0" encoding="utf-8"?>
 <p:sld xmlns:a="http://schemas.openxmlformats.org/drawingml/2006/main" xmlns:r="http://schemas.openxmlformats.org/officeDocument/2006/relationships" xmlns:p="http://schemas.openxmlformats.org/presentationml/2006/main">
   <p:cSld>
     <p:spTree>
